--- a/reactor模式.pptx
+++ b/reactor模式.pptx
@@ -215,7 +215,7 @@
           <a:p>
             <a:fld id="{DAA17199-265D-42F1-94C8-20DFA73AB2C6}" type="datetimeFigureOut">
               <a:rPr lang="zh-CN" altLang="en-US" smtClean="0"/>
-              <a:t>2019/2/25</a:t>
+              <a:t>2019/3/1</a:t>
             </a:fld>
             <a:endParaRPr lang="zh-CN" altLang="en-US"/>
           </a:p>
@@ -2795,7 +2795,7 @@
           <a:p>
             <a:fld id="{95B14E18-AF72-477F-A30D-6C77BD2DD321}" type="datetimeFigureOut">
               <a:rPr lang="zh-CN" altLang="en-US" smtClean="0"/>
-              <a:t>2019/2/25</a:t>
+              <a:t>2019/3/1</a:t>
             </a:fld>
             <a:endParaRPr lang="zh-CN" altLang="en-US"/>
           </a:p>
@@ -2993,7 +2993,7 @@
           <a:p>
             <a:fld id="{95B14E18-AF72-477F-A30D-6C77BD2DD321}" type="datetimeFigureOut">
               <a:rPr lang="zh-CN" altLang="en-US" smtClean="0"/>
-              <a:t>2019/2/25</a:t>
+              <a:t>2019/3/1</a:t>
             </a:fld>
             <a:endParaRPr lang="zh-CN" altLang="en-US"/>
           </a:p>
@@ -3201,7 +3201,7 @@
           <a:p>
             <a:fld id="{95B14E18-AF72-477F-A30D-6C77BD2DD321}" type="datetimeFigureOut">
               <a:rPr lang="zh-CN" altLang="en-US" smtClean="0"/>
-              <a:t>2019/2/25</a:t>
+              <a:t>2019/3/1</a:t>
             </a:fld>
             <a:endParaRPr lang="zh-CN" altLang="en-US"/>
           </a:p>
@@ -3531,7 +3531,7 @@
           <a:p>
             <a:fld id="{95B14E18-AF72-477F-A30D-6C77BD2DD321}" type="datetimeFigureOut">
               <a:rPr lang="zh-CN" altLang="en-US" smtClean="0"/>
-              <a:t>2019/2/25</a:t>
+              <a:t>2019/3/1</a:t>
             </a:fld>
             <a:endParaRPr lang="zh-CN" altLang="en-US"/>
           </a:p>
@@ -3806,7 +3806,7 @@
           <a:p>
             <a:fld id="{95B14E18-AF72-477F-A30D-6C77BD2DD321}" type="datetimeFigureOut">
               <a:rPr lang="zh-CN" altLang="en-US" smtClean="0"/>
-              <a:t>2019/2/25</a:t>
+              <a:t>2019/3/1</a:t>
             </a:fld>
             <a:endParaRPr lang="zh-CN" altLang="en-US"/>
           </a:p>
@@ -4071,7 +4071,7 @@
           <a:p>
             <a:fld id="{95B14E18-AF72-477F-A30D-6C77BD2DD321}" type="datetimeFigureOut">
               <a:rPr lang="zh-CN" altLang="en-US" smtClean="0"/>
-              <a:t>2019/2/25</a:t>
+              <a:t>2019/3/1</a:t>
             </a:fld>
             <a:endParaRPr lang="zh-CN" altLang="en-US"/>
           </a:p>
@@ -4483,7 +4483,7 @@
           <a:p>
             <a:fld id="{95B14E18-AF72-477F-A30D-6C77BD2DD321}" type="datetimeFigureOut">
               <a:rPr lang="zh-CN" altLang="en-US" smtClean="0"/>
-              <a:t>2019/2/25</a:t>
+              <a:t>2019/3/1</a:t>
             </a:fld>
             <a:endParaRPr lang="zh-CN" altLang="en-US"/>
           </a:p>
@@ -4624,7 +4624,7 @@
           <a:p>
             <a:fld id="{95B14E18-AF72-477F-A30D-6C77BD2DD321}" type="datetimeFigureOut">
               <a:rPr lang="zh-CN" altLang="en-US" smtClean="0"/>
-              <a:t>2019/2/25</a:t>
+              <a:t>2019/3/1</a:t>
             </a:fld>
             <a:endParaRPr lang="zh-CN" altLang="en-US"/>
           </a:p>
@@ -4737,7 +4737,7 @@
           <a:p>
             <a:fld id="{95B14E18-AF72-477F-A30D-6C77BD2DD321}" type="datetimeFigureOut">
               <a:rPr lang="zh-CN" altLang="en-US" smtClean="0"/>
-              <a:t>2019/2/25</a:t>
+              <a:t>2019/3/1</a:t>
             </a:fld>
             <a:endParaRPr lang="zh-CN" altLang="en-US"/>
           </a:p>
@@ -5048,7 +5048,7 @@
           <a:p>
             <a:fld id="{95B14E18-AF72-477F-A30D-6C77BD2DD321}" type="datetimeFigureOut">
               <a:rPr lang="zh-CN" altLang="en-US" smtClean="0"/>
-              <a:t>2019/2/25</a:t>
+              <a:t>2019/3/1</a:t>
             </a:fld>
             <a:endParaRPr lang="zh-CN" altLang="en-US"/>
           </a:p>
@@ -5336,7 +5336,7 @@
           <a:p>
             <a:fld id="{95B14E18-AF72-477F-A30D-6C77BD2DD321}" type="datetimeFigureOut">
               <a:rPr lang="zh-CN" altLang="en-US" smtClean="0"/>
-              <a:t>2019/2/25</a:t>
+              <a:t>2019/3/1</a:t>
             </a:fld>
             <a:endParaRPr lang="zh-CN" altLang="en-US"/>
           </a:p>
@@ -5577,7 +5577,7 @@
           <a:p>
             <a:fld id="{95B14E18-AF72-477F-A30D-6C77BD2DD321}" type="datetimeFigureOut">
               <a:rPr lang="zh-CN" altLang="en-US" smtClean="0"/>
-              <a:t>2019/2/25</a:t>
+              <a:t>2019/3/1</a:t>
             </a:fld>
             <a:endParaRPr lang="zh-CN" altLang="en-US"/>
           </a:p>
@@ -9116,7 +9116,7 @@
         </p:blipFill>
         <p:spPr>
           <a:xfrm>
-            <a:off x="0" y="-18922"/>
+            <a:off x="0" y="0"/>
             <a:ext cx="12191921" cy="1193622"/>
           </a:xfrm>
           <a:prstGeom prst="rect">
@@ -9368,6 +9368,55 @@
           <a:lstStyle/>
           <a:p>
             <a:endParaRPr lang="zh-CN" altLang="en-US" dirty="0"/>
+          </a:p>
+        </p:txBody>
+      </p:sp>
+      <p:sp>
+        <p:nvSpPr>
+          <p:cNvPr id="8" name="Shape 143" descr="NETEASE…">
+            <a:extLst>
+              <a:ext uri="{FF2B5EF4-FFF2-40B4-BE49-F238E27FC236}">
+                <a16:creationId xmlns:a16="http://schemas.microsoft.com/office/drawing/2014/main" id="{EEDA37C4-61E9-453C-A191-FAE9D01BCAFF}"/>
+              </a:ext>
+            </a:extLst>
+          </p:cNvPr>
+          <p:cNvSpPr/>
+          <p:nvPr/>
+        </p:nvSpPr>
+        <p:spPr>
+          <a:xfrm>
+            <a:off x="572313" y="336787"/>
+            <a:ext cx="2205732" cy="482183"/>
+          </a:xfrm>
+          <a:prstGeom prst="rect">
+            <a:avLst/>
+          </a:prstGeom>
+          <a:ln w="12700">
+            <a:miter lim="400000"/>
+          </a:ln>
+        </p:spPr>
+        <p:txBody>
+          <a:bodyPr wrap="none" lIns="25400" tIns="25400" rIns="25400" bIns="25400" anchor="ctr">
+            <a:spAutoFit/>
+          </a:bodyPr>
+          <a:lstStyle>
+            <a:lvl1pPr algn="l">
+              <a:defRPr sz="5000">
+                <a:solidFill>
+                  <a:srgbClr val="FFFFFF"/>
+                </a:solidFill>
+                <a:latin typeface="苹方-简" panose="020B0800000000000000" charset="-122"/>
+                <a:ea typeface="苹方-简" panose="020B0800000000000000" charset="-122"/>
+                <a:cs typeface="苹方-简" panose="020B0800000000000000" charset="-122"/>
+                <a:sym typeface="苹方-简" panose="020B0800000000000000" charset="-122"/>
+              </a:defRPr>
+            </a:lvl1pPr>
+          </a:lstStyle>
+          <a:p>
+            <a:r>
+              <a:rPr lang="zh-CN" altLang="en-US" sz="2800" dirty="0"/>
+              <a:t>网络编程演进</a:t>
+            </a:r>
           </a:p>
         </p:txBody>
       </p:sp>
